--- a/trainer_notes/vim_presentation.pptx
+++ b/trainer_notes/vim_presentation.pptx
@@ -140,7 +140,7 @@
       </p:grpSpPr>
       <p:sp>
         <p:nvSpPr>
-          <p:cNvPr id="2013037548" name="Header Placeholder 1"/>
+          <p:cNvPr id="890130345" name="Header Placeholder 1"/>
           <p:cNvSpPr>
             <a:spLocks noGrp="1"/>
           </p:cNvSpPr>
@@ -174,7 +174,7 @@
       </p:sp>
       <p:sp>
         <p:nvSpPr>
-          <p:cNvPr id="519268765" name="Date Placeholder 2"/>
+          <p:cNvPr id="1474584676" name="Date Placeholder 2"/>
           <p:cNvSpPr>
             <a:spLocks noGrp="1"/>
           </p:cNvSpPr>
@@ -212,7 +212,7 @@
       </p:sp>
       <p:sp>
         <p:nvSpPr>
-          <p:cNvPr id="334704503" name="Slide Image Placeholder 3"/>
+          <p:cNvPr id="128171966" name="Slide Image Placeholder 3"/>
           <p:cNvSpPr>
             <a:spLocks noChangeAspect="1" noGrp="1" noRot="1"/>
           </p:cNvSpPr>
@@ -248,7 +248,7 @@
       </p:sp>
       <p:sp>
         <p:nvSpPr>
-          <p:cNvPr id="253621435" name="Notes Placeholder 4"/>
+          <p:cNvPr id="1460139738" name="Notes Placeholder 4"/>
           <p:cNvSpPr>
             <a:spLocks noGrp="1"/>
           </p:cNvSpPr>
@@ -322,7 +322,7 @@
       </p:sp>
       <p:sp>
         <p:nvSpPr>
-          <p:cNvPr id="276138064" name="Footer Placeholder 5"/>
+          <p:cNvPr id="1511838928" name="Footer Placeholder 5"/>
           <p:cNvSpPr>
             <a:spLocks noGrp="1"/>
           </p:cNvSpPr>
@@ -356,7 +356,7 @@
       </p:sp>
       <p:sp>
         <p:nvSpPr>
-          <p:cNvPr id="1577329803" name="Slide Number Placeholder 6"/>
+          <p:cNvPr id="144167822" name="Slide Number Placeholder 6"/>
           <p:cNvSpPr>
             <a:spLocks noGrp="1"/>
           </p:cNvSpPr>
@@ -509,7 +509,7 @@
       </p:grpSpPr>
       <p:sp>
         <p:nvSpPr>
-          <p:cNvPr id="590474105" name="Slide Image Placeholder 1"/>
+          <p:cNvPr id="1100735066" name="Slide Image Placeholder 1"/>
           <p:cNvSpPr>
             <a:spLocks noChangeAspect="1" noGrp="1" noRot="1"/>
           </p:cNvSpPr>
@@ -526,7 +526,7 @@
       </p:sp>
       <p:sp>
         <p:nvSpPr>
-          <p:cNvPr id="1126460175" name="Notes Placeholder 2"/>
+          <p:cNvPr id="208891816" name="Notes Placeholder 2"/>
           <p:cNvSpPr>
             <a:spLocks noGrp="1"/>
           </p:cNvSpPr>
@@ -551,7 +551,7 @@
       </p:sp>
       <p:sp>
         <p:nvSpPr>
-          <p:cNvPr id="1938106443" name="Slide Number Placeholder 3"/>
+          <p:cNvPr id="1392916262" name="Slide Number Placeholder 3"/>
           <p:cNvSpPr>
             <a:spLocks noGrp="1"/>
           </p:cNvSpPr>
